--- a/documents/PPT/한자리_수정.pptx
+++ b/documents/PPT/한자리_수정.pptx
@@ -2,8 +2,8 @@
 <file path=ppt/presentation.xml><?xml version="1.0" encoding="utf-8"?>
 <p:presentation xmlns:r="http://schemas.openxmlformats.org/officeDocument/2006/relationships" xmlns:c="http://schemas.openxmlformats.org/drawingml/2006/chart" xmlns:a="http://schemas.openxmlformats.org/drawingml/2006/main" xmlns:dgm="http://schemas.openxmlformats.org/drawingml/2006/diagram" xmlns:dsp="http://schemas.microsoft.com/office/drawing/2008/diagram" xmlns:p="http://schemas.openxmlformats.org/presentationml/2006/main" showSpecialPlsOnTitleSld="0">
   <p:sldMasterIdLst>
-    <p:sldMasterId id="2147484350" r:id="rId1"/>
-    <p:sldMasterId id="2147484351" r:id="rId2"/>
+    <p:sldMasterId id="2147484322" r:id="rId1"/>
+    <p:sldMasterId id="2147484323" r:id="rId2"/>
   </p:sldMasterIdLst>
   <p:sldIdLst>
     <p:sldId id="256" r:id="rId3"/>
@@ -6212,16 +6212,6 @@
             <a:pPr lvl="0">
               <a:defRPr/>
             </a:pPr>
-            <a:r>
-              <a:rPr lang="en-US" altLang="ko-KR" sz="3000">
-                <a:solidFill>
-                  <a:srgbClr val="17365f"/>
-                </a:solidFill>
-                <a:latin typeface="Hancom Sans SemiBold"/>
-                <a:ea typeface="Hancom Sans SemiBold"/>
-              </a:rPr>
-              <a:t>`</a:t>
-            </a:r>
             <a:endParaRPr lang="en-US" altLang="ko-KR" sz="3000">
               <a:solidFill>
                 <a:srgbClr val="17365f"/>
